--- a/projects/Henry_Tyler/Deliverables/02-PosterByTues5/group12.pptx
+++ b/projects/Henry_Tyler/Deliverables/02-PosterByTues5/group12.pptx
@@ -3871,10 +3871,16 @@
           <a:p>
             <a:pPr algn="ctr"/>
             <a:r>
+              <a:rPr lang="en-US" sz="6600" b="1">
+                <a:latin typeface="Century Gothic" pitchFamily="34" charset="0"/>
+              </a:rPr>
+              <a:t>Team 12: </a:t>
+            </a:r>
+            <a:r>
               <a:rPr lang="en-US" sz="6600" b="1" dirty="0">
                 <a:latin typeface="Century Gothic" pitchFamily="34" charset="0"/>
               </a:rPr>
-              <a:t>Team Chevrons</a:t>
+              <a:t>Chevrons</a:t>
             </a:r>
           </a:p>
         </p:txBody>
